--- a/受控文档/02-其他任务/[PRD-15]UML工具.pptx
+++ b/受控文档/02-其他任务/[PRD-15]UML工具.pptx
@@ -55,21 +55,21 @@
   <p:notesSz cx="6858000" cy="9144000"/>
   <p:embeddedFontLst>
     <p:embeddedFont>
-      <p:font typeface="华文新魏" panose="02010800040101010101" pitchFamily="2" charset="-122"/>
+      <p:font typeface="黑体" panose="02010609060101010101" pitchFamily="49" charset="-122"/>
       <p:regular r:id="rId45"/>
     </p:embeddedFont>
     <p:embeddedFont>
-      <p:font typeface="等线" panose="02010600030101010101" pitchFamily="2" charset="-122"/>
+      <p:font typeface="等线 Light" panose="02010600030101010101" pitchFamily="2" charset="-122"/>
       <p:regular r:id="rId46"/>
-      <p:bold r:id="rId47"/>
     </p:embeddedFont>
     <p:embeddedFont>
-      <p:font typeface="黑体" panose="02010609060101010101" pitchFamily="49" charset="-122"/>
-      <p:regular r:id="rId48"/>
+      <p:font typeface="华文新魏" panose="02010800040101010101" pitchFamily="2" charset="-122"/>
+      <p:regular r:id="rId47"/>
     </p:embeddedFont>
     <p:embeddedFont>
-      <p:font typeface="等线 Light" panose="02010600030101010101" pitchFamily="2" charset="-122"/>
-      <p:regular r:id="rId49"/>
+      <p:font typeface="等线" panose="02010600030101010101" pitchFamily="2" charset="-122"/>
+      <p:regular r:id="rId48"/>
+      <p:bold r:id="rId49"/>
     </p:embeddedFont>
   </p:embeddedFontLst>
   <p:defaultTextStyle>
@@ -268,7 +268,7 @@
           <a:p>
             <a:fld id="{A109EA2A-4C48-4C61-B30A-DAB1A3E93B21}" type="datetimeFigureOut">
               <a:rPr lang="zh-CN" altLang="en-US" smtClean="0"/>
-              <a:t>2018/10/26</a:t>
+              <a:t>2018/11/2</a:t>
             </a:fld>
             <a:endParaRPr lang="zh-CN" altLang="en-US"/>
           </a:p>
@@ -10848,7 +10848,7 @@
           <a:graphicData uri="http://schemas.openxmlformats.org/presentationml/2006/ole">
             <mc:AlternateContent xmlns:mc="http://schemas.openxmlformats.org/markup-compatibility/2006">
               <mc:Choice xmlns:v="urn:schemas-microsoft-com:vml" Requires="v">
-                <p:oleObj spid="_x0000_s1030" r:id="rId3" imgW="914400" imgH="215900" progId="Equation.KSEE3">
+                <p:oleObj spid="_x0000_s1031" r:id="rId3" imgW="914400" imgH="215900" progId="Equation.KSEE3">
                   <p:embed/>
                 </p:oleObj>
               </mc:Choice>
@@ -14949,7 +14949,7 @@
         </p:nvSpPr>
         <p:spPr>
           <a:xfrm>
-            <a:off x="2692432" y="2606603"/>
+            <a:off x="2669239" y="2555700"/>
             <a:ext cx="4195379" cy="461665"/>
           </a:xfrm>
           <a:prstGeom prst="rect">
@@ -15093,6 +15093,146 @@
               <a:t>免费版有哪些限制？</a:t>
             </a:r>
             <a:endParaRPr lang="zh-CN" altLang="en-US" sz="2400" b="1" dirty="0">
+              <a:solidFill>
+                <a:schemeClr val="tx1">
+                  <a:lumMod val="75000"/>
+                  <a:lumOff val="25000"/>
+                </a:schemeClr>
+              </a:solidFill>
+            </a:endParaRPr>
+          </a:p>
+        </p:txBody>
+      </p:sp>
+      <p:sp>
+        <p:nvSpPr>
+          <p:cNvPr id="12" name="矩形 11"/>
+          <p:cNvSpPr/>
+          <p:nvPr/>
+        </p:nvSpPr>
+        <p:spPr>
+          <a:xfrm>
+            <a:off x="2669239" y="1982489"/>
+            <a:ext cx="1178528" cy="461665"/>
+          </a:xfrm>
+          <a:prstGeom prst="rect">
+            <a:avLst/>
+          </a:prstGeom>
+        </p:spPr>
+        <p:txBody>
+          <a:bodyPr wrap="none">
+            <a:spAutoFit/>
+          </a:bodyPr>
+          <a:lstStyle/>
+          <a:p>
+            <a:r>
+              <a:rPr lang="en-US" altLang="zh-CN" sz="2400" b="1" dirty="0" smtClean="0">
+                <a:solidFill>
+                  <a:schemeClr val="tx1">
+                    <a:lumMod val="75000"/>
+                    <a:lumOff val="25000"/>
+                  </a:schemeClr>
+                </a:solidFill>
+              </a:rPr>
+              <a:t>2014</a:t>
+            </a:r>
+            <a:r>
+              <a:rPr lang="zh-CN" altLang="en-US" sz="2400" b="1" dirty="0" smtClean="0">
+                <a:solidFill>
+                  <a:schemeClr val="tx1">
+                    <a:lumMod val="75000"/>
+                    <a:lumOff val="25000"/>
+                  </a:schemeClr>
+                </a:solidFill>
+              </a:rPr>
+              <a:t>年</a:t>
+            </a:r>
+            <a:endParaRPr lang="zh-CN" altLang="en-US" sz="2400" b="1" dirty="0">
+              <a:solidFill>
+                <a:schemeClr val="tx1">
+                  <a:lumMod val="75000"/>
+                  <a:lumOff val="25000"/>
+                </a:schemeClr>
+              </a:solidFill>
+            </a:endParaRPr>
+          </a:p>
+        </p:txBody>
+      </p:sp>
+      <p:sp>
+        <p:nvSpPr>
+          <p:cNvPr id="13" name="矩形 12"/>
+          <p:cNvSpPr/>
+          <p:nvPr/>
+        </p:nvSpPr>
+        <p:spPr>
+          <a:xfrm>
+            <a:off x="2712782" y="3173186"/>
+            <a:ext cx="1107996" cy="461665"/>
+          </a:xfrm>
+          <a:prstGeom prst="rect">
+            <a:avLst/>
+          </a:prstGeom>
+        </p:spPr>
+        <p:txBody>
+          <a:bodyPr wrap="none">
+            <a:spAutoFit/>
+          </a:bodyPr>
+          <a:lstStyle/>
+          <a:p>
+            <a:r>
+              <a:rPr lang="zh-CN" altLang="en-US" sz="2400" b="1" dirty="0" smtClean="0">
+                <a:solidFill>
+                  <a:schemeClr val="tx1">
+                    <a:lumMod val="75000"/>
+                    <a:lumOff val="25000"/>
+                  </a:schemeClr>
+                </a:solidFill>
+              </a:rPr>
+              <a:t>不支持</a:t>
+            </a:r>
+            <a:endParaRPr lang="zh-CN" altLang="en-US" sz="2400" b="1" dirty="0">
+              <a:solidFill>
+                <a:schemeClr val="tx1">
+                  <a:lumMod val="75000"/>
+                  <a:lumOff val="25000"/>
+                </a:schemeClr>
+              </a:solidFill>
+            </a:endParaRPr>
+          </a:p>
+        </p:txBody>
+      </p:sp>
+      <p:sp>
+        <p:nvSpPr>
+          <p:cNvPr id="2" name="矩形 1"/>
+          <p:cNvSpPr/>
+          <p:nvPr/>
+        </p:nvSpPr>
+        <p:spPr>
+          <a:xfrm>
+            <a:off x="2669239" y="4429155"/>
+            <a:ext cx="5032147" cy="369332"/>
+          </a:xfrm>
+          <a:prstGeom prst="rect">
+            <a:avLst/>
+          </a:prstGeom>
+        </p:spPr>
+        <p:txBody>
+          <a:bodyPr wrap="none">
+            <a:spAutoFit/>
+          </a:bodyPr>
+          <a:lstStyle/>
+          <a:p>
+            <a:r>
+              <a:rPr lang="zh-CN" altLang="en-US" b="1" dirty="0">
+                <a:solidFill>
+                  <a:schemeClr val="tx1">
+                    <a:lumMod val="75000"/>
+                    <a:lumOff val="25000"/>
+                  </a:schemeClr>
+                </a:solidFill>
+              </a:rPr>
+              <a:t>对于网页内保存的文件数目和小组数量有所限制</a:t>
+            </a:r>
+            <a:endParaRPr lang="zh-CN" altLang="en-US" b="1" dirty="0">
               <a:solidFill>
                 <a:schemeClr val="tx1">
                   <a:lumMod val="75000"/>
@@ -15331,6 +15471,105 @@
                                   </p:childTnLst>
                                 </p:cTn>
                               </p:par>
+                              <p:par>
+                                <p:cTn id="21" presetID="1" presetClass="entr" presetSubtype="0" fill="hold" grpId="0" nodeType="withEffect">
+                                  <p:stCondLst>
+                                    <p:cond delay="0"/>
+                                  </p:stCondLst>
+                                  <p:childTnLst>
+                                    <p:set>
+                                      <p:cBhvr>
+                                        <p:cTn id="22" dur="1" fill="hold">
+                                          <p:stCondLst>
+                                            <p:cond delay="0"/>
+                                          </p:stCondLst>
+                                        </p:cTn>
+                                        <p:tgtEl>
+                                          <p:spTgt spid="12"/>
+                                        </p:tgtEl>
+                                        <p:attrNameLst>
+                                          <p:attrName>style.visibility</p:attrName>
+                                        </p:attrNameLst>
+                                      </p:cBhvr>
+                                      <p:to>
+                                        <p:strVal val="visible"/>
+                                      </p:to>
+                                    </p:set>
+                                  </p:childTnLst>
+                                </p:cTn>
+                              </p:par>
+                              <p:par>
+                                <p:cTn id="23" presetID="1" presetClass="entr" presetSubtype="0" fill="hold" grpId="0" nodeType="withEffect">
+                                  <p:stCondLst>
+                                    <p:cond delay="0"/>
+                                  </p:stCondLst>
+                                  <p:childTnLst>
+                                    <p:set>
+                                      <p:cBhvr>
+                                        <p:cTn id="24" dur="1" fill="hold">
+                                          <p:stCondLst>
+                                            <p:cond delay="0"/>
+                                          </p:stCondLst>
+                                        </p:cTn>
+                                        <p:tgtEl>
+                                          <p:spTgt spid="13"/>
+                                        </p:tgtEl>
+                                        <p:attrNameLst>
+                                          <p:attrName>style.visibility</p:attrName>
+                                        </p:attrNameLst>
+                                      </p:cBhvr>
+                                      <p:to>
+                                        <p:strVal val="visible"/>
+                                      </p:to>
+                                    </p:set>
+                                  </p:childTnLst>
+                                </p:cTn>
+                              </p:par>
+                            </p:childTnLst>
+                          </p:cTn>
+                        </p:par>
+                      </p:childTnLst>
+                    </p:cTn>
+                  </p:par>
+                  <p:par>
+                    <p:cTn id="25" fill="hold">
+                      <p:stCondLst>
+                        <p:cond delay="indefinite"/>
+                      </p:stCondLst>
+                      <p:childTnLst>
+                        <p:par>
+                          <p:cTn id="26" fill="hold">
+                            <p:stCondLst>
+                              <p:cond delay="0"/>
+                            </p:stCondLst>
+                            <p:childTnLst>
+                              <p:par>
+                                <p:cTn id="27" presetID="1" presetClass="entr" presetSubtype="0" fill="hold" grpId="0" nodeType="clickEffect">
+                                  <p:stCondLst>
+                                    <p:cond delay="0"/>
+                                  </p:stCondLst>
+                                  <p:childTnLst>
+                                    <p:set>
+                                      <p:cBhvr>
+                                        <p:cTn id="28" dur="1" fill="hold">
+                                          <p:stCondLst>
+                                            <p:cond delay="0"/>
+                                          </p:stCondLst>
+                                        </p:cTn>
+                                        <p:tgtEl>
+                                          <p:spTgt spid="2"/>
+                                        </p:tgtEl>
+                                        <p:attrNameLst>
+                                          <p:attrName>style.visibility</p:attrName>
+                                        </p:attrNameLst>
+                                      </p:cBhvr>
+                                      <p:to>
+                                        <p:strVal val="visible"/>
+                                      </p:to>
+                                    </p:set>
+                                  </p:childTnLst>
+                                </p:cTn>
+                              </p:par>
                             </p:childTnLst>
                           </p:cTn>
                         </p:par>
@@ -15365,6 +15604,9 @@
       <p:bldP spid="9" grpId="0"/>
       <p:bldP spid="10" grpId="0"/>
       <p:bldP spid="11" grpId="0"/>
+      <p:bldP spid="12" grpId="0"/>
+      <p:bldP spid="13" grpId="0"/>
+      <p:bldP spid="2" grpId="0"/>
     </p:bldLst>
   </p:timing>
 </p:sld>
